--- a/NER.pptx
+++ b/NER.pptx
@@ -5,10 +5,10 @@
     <p:sldMasterId id="2147483660" r:id="rId4"/>
   </p:sldMasterIdLst>
   <p:notesMasterIdLst>
-    <p:notesMasterId r:id="rId15"/>
+    <p:notesMasterId r:id="rId21"/>
   </p:notesMasterIdLst>
   <p:handoutMasterIdLst>
-    <p:handoutMasterId r:id="rId16"/>
+    <p:handoutMasterId r:id="rId22"/>
   </p:handoutMasterIdLst>
   <p:sldIdLst>
     <p:sldId id="257" r:id="rId5"/>
@@ -20,7 +20,13 @@
     <p:sldId id="279" r:id="rId11"/>
     <p:sldId id="280" r:id="rId12"/>
     <p:sldId id="281" r:id="rId13"/>
-    <p:sldId id="273" r:id="rId14"/>
+    <p:sldId id="288" r:id="rId14"/>
+    <p:sldId id="284" r:id="rId15"/>
+    <p:sldId id="286" r:id="rId16"/>
+    <p:sldId id="287" r:id="rId17"/>
+    <p:sldId id="282" r:id="rId18"/>
+    <p:sldId id="283" r:id="rId19"/>
+    <p:sldId id="273" r:id="rId20"/>
   </p:sldIdLst>
   <p:sldSz cx="12192000" cy="6858000"/>
   <p:notesSz cx="6858000" cy="9144000"/>
@@ -224,7 +230,7 @@
           <a:p>
             <a:fld id="{58B3D3C9-ED3E-4430-A8CA-03711A676035}" type="datetimeFigureOut">
               <a:rPr lang="en-US" smtClean="0"/>
-              <a:t>6/17/2022</a:t>
+              <a:t>7/9/2022</a:t>
             </a:fld>
             <a:endParaRPr lang="en-US" dirty="0"/>
           </a:p>
@@ -401,7 +407,7 @@
           <a:p>
             <a:fld id="{A3E67E2B-6215-4DB6-B113-75ACD1123374}" type="datetimeFigureOut">
               <a:rPr lang="en-US" smtClean="0"/>
-              <a:t>6/17/2022</a:t>
+              <a:t>7/9/2022</a:t>
             </a:fld>
             <a:endParaRPr lang="en-US" dirty="0"/>
           </a:p>
@@ -817,7 +823,7 @@
           <a:p>
             <a:fld id="{46BC8106-034A-47C1-ADA6-0A1F9E0E7474}" type="slidenum">
               <a:rPr lang="en-US" smtClean="0"/>
-              <a:t>10</a:t>
+              <a:t>16</a:t>
             </a:fld>
             <a:endParaRPr lang="en-US" dirty="0"/>
           </a:p>
@@ -1006,7 +1012,7 @@
             <a:fld id="{87DE6118-2437-4B30-8E3C-4D2BE6020583}" type="datetimeFigureOut">
               <a:rPr lang="en-US" smtClean="0"/>
               <a:pPr/>
-              <a:t>6/17/2022</a:t>
+              <a:t>7/9/2022</a:t>
             </a:fld>
             <a:endParaRPr lang="en-US" dirty="0"/>
           </a:p>
@@ -1337,7 +1343,7 @@
           <a:p>
             <a:fld id="{87DE6118-2437-4B30-8E3C-4D2BE6020583}" type="datetimeFigureOut">
               <a:rPr lang="en-US" smtClean="0"/>
-              <a:t>6/17/2022</a:t>
+              <a:t>7/9/2022</a:t>
             </a:fld>
             <a:endParaRPr lang="en-US" dirty="0"/>
           </a:p>
@@ -1517,7 +1523,7 @@
           <a:p>
             <a:fld id="{87DE6118-2437-4B30-8E3C-4D2BE6020583}" type="datetimeFigureOut">
               <a:rPr lang="en-US" smtClean="0"/>
-              <a:t>6/17/2022</a:t>
+              <a:t>7/9/2022</a:t>
             </a:fld>
             <a:endParaRPr lang="en-US" dirty="0"/>
           </a:p>
@@ -1687,7 +1693,7 @@
           <a:p>
             <a:fld id="{87DE6118-2437-4B30-8E3C-4D2BE6020583}" type="datetimeFigureOut">
               <a:rPr lang="en-US" smtClean="0"/>
-              <a:t>6/17/2022</a:t>
+              <a:t>7/9/2022</a:t>
             </a:fld>
             <a:endParaRPr lang="en-US" dirty="0"/>
           </a:p>
@@ -1965,7 +1971,7 @@
             <a:fld id="{87DE6118-2437-4B30-8E3C-4D2BE6020583}" type="datetimeFigureOut">
               <a:rPr lang="en-US" smtClean="0"/>
               <a:pPr/>
-              <a:t>6/17/2022</a:t>
+              <a:t>7/9/2022</a:t>
             </a:fld>
             <a:endParaRPr lang="en-US" dirty="0"/>
           </a:p>
@@ -2360,7 +2366,7 @@
           <a:p>
             <a:fld id="{87DE6118-2437-4B30-8E3C-4D2BE6020583}" type="datetimeFigureOut">
               <a:rPr lang="en-US" smtClean="0"/>
-              <a:t>6/17/2022</a:t>
+              <a:t>7/9/2022</a:t>
             </a:fld>
             <a:endParaRPr lang="en-US" dirty="0"/>
           </a:p>
@@ -2837,7 +2843,7 @@
           <a:p>
             <a:fld id="{87DE6118-2437-4B30-8E3C-4D2BE6020583}" type="datetimeFigureOut">
               <a:rPr lang="en-US" smtClean="0"/>
-              <a:t>6/17/2022</a:t>
+              <a:t>7/9/2022</a:t>
             </a:fld>
             <a:endParaRPr lang="en-US" dirty="0"/>
           </a:p>
@@ -2955,7 +2961,7 @@
           <a:p>
             <a:fld id="{87DE6118-2437-4B30-8E3C-4D2BE6020583}" type="datetimeFigureOut">
               <a:rPr lang="en-US" smtClean="0"/>
-              <a:t>6/17/2022</a:t>
+              <a:t>7/9/2022</a:t>
             </a:fld>
             <a:endParaRPr lang="en-US" dirty="0"/>
           </a:p>
@@ -3050,7 +3056,7 @@
           <a:p>
             <a:fld id="{87DE6118-2437-4B30-8E3C-4D2BE6020583}" type="datetimeFigureOut">
               <a:rPr lang="en-US" smtClean="0"/>
-              <a:t>6/17/2022</a:t>
+              <a:t>7/9/2022</a:t>
             </a:fld>
             <a:endParaRPr lang="en-US" dirty="0"/>
           </a:p>
@@ -3397,7 +3403,7 @@
             <a:fld id="{87DE6118-2437-4B30-8E3C-4D2BE6020583}" type="datetimeFigureOut">
               <a:rPr lang="en-US" smtClean="0"/>
               <a:pPr/>
-              <a:t>6/17/2022</a:t>
+              <a:t>7/9/2022</a:t>
             </a:fld>
             <a:endParaRPr lang="en-US" dirty="0"/>
           </a:p>
@@ -3787,7 +3793,7 @@
             <a:fld id="{87DE6118-2437-4B30-8E3C-4D2BE6020583}" type="datetimeFigureOut">
               <a:rPr lang="en-US" smtClean="0"/>
               <a:pPr/>
-              <a:t>6/17/2022</a:t>
+              <a:t>7/9/2022</a:t>
             </a:fld>
             <a:endParaRPr lang="en-US" dirty="0"/>
           </a:p>
@@ -4067,7 +4073,7 @@
             <a:fld id="{87DE6118-2437-4B30-8E3C-4D2BE6020583}" type="datetimeFigureOut">
               <a:rPr lang="en-US" smtClean="0"/>
               <a:pPr/>
-              <a:t>6/17/2022</a:t>
+              <a:t>7/9/2022</a:t>
             </a:fld>
             <a:endParaRPr lang="en-US" dirty="0"/>
           </a:p>
@@ -4865,8 +4871,8 @@
         </p:nvSpPr>
         <p:spPr>
           <a:xfrm>
-            <a:off x="2190044" y="2003359"/>
-            <a:ext cx="8086313" cy="2611036"/>
+            <a:off x="2190044" y="1353670"/>
+            <a:ext cx="8086313" cy="4195483"/>
           </a:xfrm>
         </p:spPr>
         <p:txBody>
@@ -4875,117 +4881,14 @@
           </a:bodyPr>
           <a:lstStyle/>
           <a:p>
-            <a:br>
+            <a:r>
               <a:rPr lang="en-US" dirty="0">
                 <a:solidFill>
                   <a:schemeClr val="bg2"/>
                 </a:solidFill>
               </a:rPr>
-            </a:br>
-            <a:br>
-              <a:rPr lang="en-US" dirty="0">
-                <a:solidFill>
-                  <a:schemeClr val="bg2"/>
-                </a:solidFill>
-              </a:rPr>
-            </a:br>
-            <a:br>
-              <a:rPr lang="en-US" dirty="0">
-                <a:solidFill>
-                  <a:schemeClr val="bg2"/>
-                </a:solidFill>
-              </a:rPr>
-            </a:br>
-            <a:br>
-              <a:rPr lang="en-US" dirty="0">
-                <a:solidFill>
-                  <a:schemeClr val="bg2"/>
-                </a:solidFill>
-              </a:rPr>
-            </a:br>
-            <a:br>
-              <a:rPr lang="en-US" dirty="0">
-                <a:solidFill>
-                  <a:schemeClr val="bg2"/>
-                </a:solidFill>
-              </a:rPr>
-            </a:br>
-            <a:br>
-              <a:rPr lang="en-US" dirty="0">
-                <a:solidFill>
-                  <a:schemeClr val="bg2"/>
-                </a:solidFill>
-              </a:rPr>
-            </a:br>
-            <a:br>
-              <a:rPr lang="en-US" dirty="0">
-                <a:solidFill>
-                  <a:schemeClr val="bg2"/>
-                </a:solidFill>
-              </a:rPr>
-            </a:br>
-            <a:r>
-              <a:rPr lang="en-US" dirty="0">
-                <a:solidFill>
-                  <a:schemeClr val="bg2"/>
-                </a:solidFill>
-              </a:rPr>
-              <a:t>NAMED ENTITY RECOGNITION FOR TOURISM</a:t>
-            </a:r>
-          </a:p>
-        </p:txBody>
-      </p:sp>
-      <p:sp>
-        <p:nvSpPr>
-          <p:cNvPr id="3" name="TextBox 2">
-            <a:extLst>
-              <a:ext uri="{FF2B5EF4-FFF2-40B4-BE49-F238E27FC236}">
-                <a16:creationId xmlns:a16="http://schemas.microsoft.com/office/drawing/2014/main" id="{C1EDD0AD-CEBB-D449-A226-5802772013C1}"/>
-              </a:ext>
-            </a:extLst>
-          </p:cNvPr>
-          <p:cNvSpPr txBox="1"/>
-          <p:nvPr/>
-        </p:nvSpPr>
-        <p:spPr>
-          <a:xfrm>
-            <a:off x="8151962" y="4757738"/>
-            <a:ext cx="2563663" cy="646331"/>
-          </a:xfrm>
-          <a:prstGeom prst="rect">
-            <a:avLst/>
-          </a:prstGeom>
-          <a:noFill/>
-        </p:spPr>
-        <p:txBody>
-          <a:bodyPr wrap="square" rtlCol="0">
-            <a:spAutoFit/>
-          </a:bodyPr>
-          <a:lstStyle/>
-          <a:p>
-            <a:r>
-              <a:rPr lang="en-US" dirty="0">
-                <a:solidFill>
-                  <a:schemeClr val="bg1"/>
-                </a:solidFill>
-              </a:rPr>
-              <a:t>SARAH C JOJY</a:t>
-            </a:r>
-          </a:p>
-          <a:p>
-            <a:r>
-              <a:rPr lang="en-US" dirty="0">
-                <a:solidFill>
-                  <a:schemeClr val="bg1"/>
-                </a:solidFill>
-              </a:rPr>
-              <a:t>S4 MCA 2020</a:t>
-            </a:r>
-            <a:endParaRPr lang="en-IN" dirty="0">
-              <a:solidFill>
-                <a:schemeClr val="bg1"/>
-              </a:solidFill>
-            </a:endParaRPr>
+              <a:t>NAMED ENTITY RECOGNITION MODEL FOR TOURISM DOMAIN OF KERALA</a:t>
+            </a:r>
           </a:p>
         </p:txBody>
       </p:sp>
@@ -5003,6 +4906,594 @@
 </file>
 
 <file path=ppt/slides/slide10.xml><?xml version="1.0" encoding="utf-8"?>
+<p:sld xmlns:a="http://schemas.openxmlformats.org/drawingml/2006/main" xmlns:r="http://schemas.openxmlformats.org/officeDocument/2006/relationships" xmlns:p="http://schemas.openxmlformats.org/presentationml/2006/main">
+  <p:cSld>
+    <p:spTree>
+      <p:nvGrpSpPr>
+        <p:cNvPr id="1" name=""/>
+        <p:cNvGrpSpPr/>
+        <p:nvPr/>
+      </p:nvGrpSpPr>
+      <p:grpSpPr>
+        <a:xfrm>
+          <a:off x="0" y="0"/>
+          <a:ext cx="0" cy="0"/>
+          <a:chOff x="0" y="0"/>
+          <a:chExt cx="0" cy="0"/>
+        </a:xfrm>
+      </p:grpSpPr>
+      <p:sp>
+        <p:nvSpPr>
+          <p:cNvPr id="2" name="Title 1">
+            <a:extLst>
+              <a:ext uri="{FF2B5EF4-FFF2-40B4-BE49-F238E27FC236}">
+                <a16:creationId xmlns:a16="http://schemas.microsoft.com/office/drawing/2014/main" id="{4150F4F9-F507-500C-2B91-CE36DD3DC961}"/>
+              </a:ext>
+            </a:extLst>
+          </p:cNvPr>
+          <p:cNvSpPr>
+            <a:spLocks noGrp="1"/>
+          </p:cNvSpPr>
+          <p:nvPr>
+            <p:ph type="title"/>
+          </p:nvPr>
+        </p:nvSpPr>
+        <p:spPr/>
+        <p:txBody>
+          <a:bodyPr/>
+          <a:lstStyle/>
+          <a:p>
+            <a:r>
+              <a:rPr lang="en-US" dirty="0"/>
+              <a:t>TOOLS</a:t>
+            </a:r>
+            <a:endParaRPr lang="en-IN" dirty="0"/>
+          </a:p>
+        </p:txBody>
+      </p:sp>
+      <p:sp>
+        <p:nvSpPr>
+          <p:cNvPr id="3" name="Content Placeholder 2">
+            <a:extLst>
+              <a:ext uri="{FF2B5EF4-FFF2-40B4-BE49-F238E27FC236}">
+                <a16:creationId xmlns:a16="http://schemas.microsoft.com/office/drawing/2014/main" id="{8D54C5F3-20DF-990E-1150-3931919BFDD2}"/>
+              </a:ext>
+            </a:extLst>
+          </p:cNvPr>
+          <p:cNvSpPr>
+            <a:spLocks noGrp="1"/>
+          </p:cNvSpPr>
+          <p:nvPr>
+            <p:ph idx="1"/>
+          </p:nvPr>
+        </p:nvSpPr>
+        <p:spPr/>
+        <p:txBody>
+          <a:bodyPr/>
+          <a:lstStyle/>
+          <a:p>
+            <a:r>
+              <a:rPr lang="en-US" dirty="0"/>
+              <a:t>FRONT END : HTML</a:t>
+            </a:r>
+          </a:p>
+          <a:p>
+            <a:r>
+              <a:rPr lang="en-US" dirty="0"/>
+              <a:t>BACK END : PYTHON</a:t>
+            </a:r>
+          </a:p>
+          <a:p>
+            <a:r>
+              <a:rPr lang="en-US" dirty="0"/>
+              <a:t>FRAMEWORK : FLASK</a:t>
+            </a:r>
+          </a:p>
+          <a:p>
+            <a:r>
+              <a:rPr lang="en-US" dirty="0"/>
+              <a:t>IDE : JUPYTER NOTEBOOK</a:t>
+            </a:r>
+            <a:endParaRPr lang="en-IN" dirty="0"/>
+          </a:p>
+        </p:txBody>
+      </p:sp>
+    </p:spTree>
+    <p:extLst>
+      <p:ext uri="{BB962C8B-B14F-4D97-AF65-F5344CB8AC3E}">
+        <p14:creationId xmlns:p14="http://schemas.microsoft.com/office/powerpoint/2010/main" val="1289369663"/>
+      </p:ext>
+    </p:extLst>
+  </p:cSld>
+  <p:clrMapOvr>
+    <a:masterClrMapping/>
+  </p:clrMapOvr>
+</p:sld>
+</file>
+
+<file path=ppt/slides/slide11.xml><?xml version="1.0" encoding="utf-8"?>
+<p:sld xmlns:a="http://schemas.openxmlformats.org/drawingml/2006/main" xmlns:r="http://schemas.openxmlformats.org/officeDocument/2006/relationships" xmlns:p="http://schemas.openxmlformats.org/presentationml/2006/main">
+  <p:cSld>
+    <p:spTree>
+      <p:nvGrpSpPr>
+        <p:cNvPr id="1" name=""/>
+        <p:cNvGrpSpPr/>
+        <p:nvPr/>
+      </p:nvGrpSpPr>
+      <p:grpSpPr>
+        <a:xfrm>
+          <a:off x="0" y="0"/>
+          <a:ext cx="0" cy="0"/>
+          <a:chOff x="0" y="0"/>
+          <a:chExt cx="0" cy="0"/>
+        </a:xfrm>
+      </p:grpSpPr>
+      <p:sp>
+        <p:nvSpPr>
+          <p:cNvPr id="2" name="Title 1">
+            <a:extLst>
+              <a:ext uri="{FF2B5EF4-FFF2-40B4-BE49-F238E27FC236}">
+                <a16:creationId xmlns:a16="http://schemas.microsoft.com/office/drawing/2014/main" id="{EA858474-F51E-FC96-C8C4-2147D3690C97}"/>
+              </a:ext>
+            </a:extLst>
+          </p:cNvPr>
+          <p:cNvSpPr>
+            <a:spLocks noGrp="1"/>
+          </p:cNvSpPr>
+          <p:nvPr>
+            <p:ph type="title"/>
+          </p:nvPr>
+        </p:nvSpPr>
+        <p:spPr/>
+        <p:txBody>
+          <a:bodyPr/>
+          <a:lstStyle/>
+          <a:p>
+            <a:r>
+              <a:rPr lang="en-IN" dirty="0"/>
+              <a:t>Output</a:t>
+            </a:r>
+            <a:br>
+              <a:rPr lang="en-IN" dirty="0"/>
+            </a:br>
+            <a:endParaRPr lang="en-IN" dirty="0"/>
+          </a:p>
+        </p:txBody>
+      </p:sp>
+      <p:sp>
+        <p:nvSpPr>
+          <p:cNvPr id="3" name="Content Placeholder 2">
+            <a:extLst>
+              <a:ext uri="{FF2B5EF4-FFF2-40B4-BE49-F238E27FC236}">
+                <a16:creationId xmlns:a16="http://schemas.microsoft.com/office/drawing/2014/main" id="{2948C583-E77E-894E-FB1B-14AFF73A7514}"/>
+              </a:ext>
+            </a:extLst>
+          </p:cNvPr>
+          <p:cNvSpPr>
+            <a:spLocks noGrp="1"/>
+          </p:cNvSpPr>
+          <p:nvPr>
+            <p:ph idx="1"/>
+          </p:nvPr>
+        </p:nvSpPr>
+        <p:spPr/>
+        <p:txBody>
+          <a:bodyPr/>
+          <a:lstStyle/>
+          <a:p>
+            <a:r>
+              <a:rPr lang="en-IN" dirty="0"/>
+              <a:t>Home page</a:t>
+            </a:r>
+          </a:p>
+          <a:p>
+            <a:endParaRPr lang="en-IN" dirty="0"/>
+          </a:p>
+        </p:txBody>
+      </p:sp>
+      <p:pic>
+        <p:nvPicPr>
+          <p:cNvPr id="5" name="Picture 4">
+            <a:extLst>
+              <a:ext uri="{FF2B5EF4-FFF2-40B4-BE49-F238E27FC236}">
+                <a16:creationId xmlns:a16="http://schemas.microsoft.com/office/drawing/2014/main" id="{058DA5EC-9B5F-1FB8-6C92-EAAE7975E571}"/>
+              </a:ext>
+            </a:extLst>
+          </p:cNvPr>
+          <p:cNvPicPr>
+            <a:picLocks noChangeAspect="1"/>
+          </p:cNvPicPr>
+          <p:nvPr/>
+        </p:nvPicPr>
+        <p:blipFill>
+          <a:blip r:embed="rId2"/>
+          <a:stretch>
+            <a:fillRect/>
+          </a:stretch>
+        </p:blipFill>
+        <p:spPr>
+          <a:xfrm>
+            <a:off x="2796988" y="2686797"/>
+            <a:ext cx="7494494" cy="3857439"/>
+          </a:xfrm>
+          <a:prstGeom prst="rect">
+            <a:avLst/>
+          </a:prstGeom>
+        </p:spPr>
+      </p:pic>
+    </p:spTree>
+    <p:extLst>
+      <p:ext uri="{BB962C8B-B14F-4D97-AF65-F5344CB8AC3E}">
+        <p14:creationId xmlns:p14="http://schemas.microsoft.com/office/powerpoint/2010/main" val="3255028386"/>
+      </p:ext>
+    </p:extLst>
+  </p:cSld>
+  <p:clrMapOvr>
+    <a:masterClrMapping/>
+  </p:clrMapOvr>
+</p:sld>
+</file>
+
+<file path=ppt/slides/slide12.xml><?xml version="1.0" encoding="utf-8"?>
+<p:sld xmlns:a="http://schemas.openxmlformats.org/drawingml/2006/main" xmlns:r="http://schemas.openxmlformats.org/officeDocument/2006/relationships" xmlns:p="http://schemas.openxmlformats.org/presentationml/2006/main">
+  <p:cSld>
+    <p:spTree>
+      <p:nvGrpSpPr>
+        <p:cNvPr id="1" name=""/>
+        <p:cNvGrpSpPr/>
+        <p:nvPr/>
+      </p:nvGrpSpPr>
+      <p:grpSpPr>
+        <a:xfrm>
+          <a:off x="0" y="0"/>
+          <a:ext cx="0" cy="0"/>
+          <a:chOff x="0" y="0"/>
+          <a:chExt cx="0" cy="0"/>
+        </a:xfrm>
+      </p:grpSpPr>
+      <p:pic>
+        <p:nvPicPr>
+          <p:cNvPr id="3" name="Picture 2">
+            <a:extLst>
+              <a:ext uri="{FF2B5EF4-FFF2-40B4-BE49-F238E27FC236}">
+                <a16:creationId xmlns:a16="http://schemas.microsoft.com/office/drawing/2014/main" id="{D34FB099-7504-6BF7-3495-00ED37E37E0D}"/>
+              </a:ext>
+            </a:extLst>
+          </p:cNvPr>
+          <p:cNvPicPr>
+            <a:picLocks noChangeAspect="1"/>
+          </p:cNvPicPr>
+          <p:nvPr/>
+        </p:nvPicPr>
+        <p:blipFill>
+          <a:blip r:embed="rId2"/>
+          <a:stretch>
+            <a:fillRect/>
+          </a:stretch>
+        </p:blipFill>
+        <p:spPr>
+          <a:xfrm>
+            <a:off x="1272988" y="1057834"/>
+            <a:ext cx="10345271" cy="4314763"/>
+          </a:xfrm>
+          <a:prstGeom prst="rect">
+            <a:avLst/>
+          </a:prstGeom>
+        </p:spPr>
+      </p:pic>
+    </p:spTree>
+    <p:extLst>
+      <p:ext uri="{BB962C8B-B14F-4D97-AF65-F5344CB8AC3E}">
+        <p14:creationId xmlns:p14="http://schemas.microsoft.com/office/powerpoint/2010/main" val="2165030044"/>
+      </p:ext>
+    </p:extLst>
+  </p:cSld>
+  <p:clrMapOvr>
+    <a:masterClrMapping/>
+  </p:clrMapOvr>
+</p:sld>
+</file>
+
+<file path=ppt/slides/slide13.xml><?xml version="1.0" encoding="utf-8"?>
+<p:sld xmlns:a="http://schemas.openxmlformats.org/drawingml/2006/main" xmlns:r="http://schemas.openxmlformats.org/officeDocument/2006/relationships" xmlns:p="http://schemas.openxmlformats.org/presentationml/2006/main">
+  <p:cSld>
+    <p:spTree>
+      <p:nvGrpSpPr>
+        <p:cNvPr id="1" name=""/>
+        <p:cNvGrpSpPr/>
+        <p:nvPr/>
+      </p:nvGrpSpPr>
+      <p:grpSpPr>
+        <a:xfrm>
+          <a:off x="0" y="0"/>
+          <a:ext cx="0" cy="0"/>
+          <a:chOff x="0" y="0"/>
+          <a:chExt cx="0" cy="0"/>
+        </a:xfrm>
+      </p:grpSpPr>
+      <p:pic>
+        <p:nvPicPr>
+          <p:cNvPr id="3" name="Picture 2">
+            <a:extLst>
+              <a:ext uri="{FF2B5EF4-FFF2-40B4-BE49-F238E27FC236}">
+                <a16:creationId xmlns:a16="http://schemas.microsoft.com/office/drawing/2014/main" id="{9308CC50-36F2-3F9D-C163-ED16BF1334DA}"/>
+              </a:ext>
+            </a:extLst>
+          </p:cNvPr>
+          <p:cNvPicPr>
+            <a:picLocks noChangeAspect="1"/>
+          </p:cNvPicPr>
+          <p:nvPr/>
+        </p:nvPicPr>
+        <p:blipFill>
+          <a:blip r:embed="rId2"/>
+          <a:stretch>
+            <a:fillRect/>
+          </a:stretch>
+        </p:blipFill>
+        <p:spPr>
+          <a:xfrm>
+            <a:off x="1205753" y="1371600"/>
+            <a:ext cx="9780494" cy="4504910"/>
+          </a:xfrm>
+          <a:prstGeom prst="rect">
+            <a:avLst/>
+          </a:prstGeom>
+        </p:spPr>
+      </p:pic>
+    </p:spTree>
+    <p:extLst>
+      <p:ext uri="{BB962C8B-B14F-4D97-AF65-F5344CB8AC3E}">
+        <p14:creationId xmlns:p14="http://schemas.microsoft.com/office/powerpoint/2010/main" val="2119897928"/>
+      </p:ext>
+    </p:extLst>
+  </p:cSld>
+  <p:clrMapOvr>
+    <a:masterClrMapping/>
+  </p:clrMapOvr>
+</p:sld>
+</file>
+
+<file path=ppt/slides/slide14.xml><?xml version="1.0" encoding="utf-8"?>
+<p:sld xmlns:a="http://schemas.openxmlformats.org/drawingml/2006/main" xmlns:r="http://schemas.openxmlformats.org/officeDocument/2006/relationships" xmlns:p="http://schemas.openxmlformats.org/presentationml/2006/main">
+  <p:cSld>
+    <p:spTree>
+      <p:nvGrpSpPr>
+        <p:cNvPr id="1" name=""/>
+        <p:cNvGrpSpPr/>
+        <p:nvPr/>
+      </p:nvGrpSpPr>
+      <p:grpSpPr>
+        <a:xfrm>
+          <a:off x="0" y="0"/>
+          <a:ext cx="0" cy="0"/>
+          <a:chOff x="0" y="0"/>
+          <a:chExt cx="0" cy="0"/>
+        </a:xfrm>
+      </p:grpSpPr>
+      <p:sp>
+        <p:nvSpPr>
+          <p:cNvPr id="2" name="Title 1">
+            <a:extLst>
+              <a:ext uri="{FF2B5EF4-FFF2-40B4-BE49-F238E27FC236}">
+                <a16:creationId xmlns:a16="http://schemas.microsoft.com/office/drawing/2014/main" id="{72B5ACF9-BEE2-6349-0B92-2F5A84A2C053}"/>
+              </a:ext>
+            </a:extLst>
+          </p:cNvPr>
+          <p:cNvSpPr>
+            <a:spLocks noGrp="1"/>
+          </p:cNvSpPr>
+          <p:nvPr>
+            <p:ph type="title"/>
+          </p:nvPr>
+        </p:nvSpPr>
+        <p:spPr/>
+        <p:txBody>
+          <a:bodyPr/>
+          <a:lstStyle/>
+          <a:p>
+            <a:r>
+              <a:rPr lang="en-IN" dirty="0"/>
+              <a:t>Conclusion</a:t>
+            </a:r>
+          </a:p>
+        </p:txBody>
+      </p:sp>
+      <p:sp>
+        <p:nvSpPr>
+          <p:cNvPr id="3" name="Content Placeholder 2">
+            <a:extLst>
+              <a:ext uri="{FF2B5EF4-FFF2-40B4-BE49-F238E27FC236}">
+                <a16:creationId xmlns:a16="http://schemas.microsoft.com/office/drawing/2014/main" id="{4A645497-9C7B-2653-336B-4C4F46E459A9}"/>
+              </a:ext>
+            </a:extLst>
+          </p:cNvPr>
+          <p:cNvSpPr>
+            <a:spLocks noGrp="1"/>
+          </p:cNvSpPr>
+          <p:nvPr>
+            <p:ph idx="1"/>
+          </p:nvPr>
+        </p:nvSpPr>
+        <p:spPr/>
+        <p:txBody>
+          <a:bodyPr>
+            <a:normAutofit/>
+          </a:bodyPr>
+          <a:lstStyle/>
+          <a:p>
+            <a:r>
+              <a:rPr lang="en-US" dirty="0"/>
+              <a:t>The project recognizes the entities from tourism data. </a:t>
+            </a:r>
+          </a:p>
+          <a:p>
+            <a:r>
+              <a:rPr lang="en-US" dirty="0"/>
+              <a:t>Created the data set using different tourism websites. </a:t>
+            </a:r>
+          </a:p>
+          <a:p>
+            <a:r>
+              <a:rPr lang="en-US" dirty="0"/>
+              <a:t>Annotations for the text are done using </a:t>
+            </a:r>
+            <a:r>
+              <a:rPr lang="en-US" dirty="0" err="1"/>
+              <a:t>spaCy</a:t>
+            </a:r>
+            <a:r>
+              <a:rPr lang="en-US" dirty="0"/>
+              <a:t> NER annotator. </a:t>
+            </a:r>
+          </a:p>
+          <a:p>
+            <a:r>
+              <a:rPr lang="en-US" dirty="0"/>
+              <a:t>The model framework </a:t>
+            </a:r>
+            <a:r>
+              <a:rPr lang="en-US" dirty="0" err="1"/>
+              <a:t>SpaCy</a:t>
+            </a:r>
+            <a:r>
+              <a:rPr lang="en-US" dirty="0"/>
+              <a:t> is used to construct the models to perform tasks on the data set: recognizing name entities and text classification.</a:t>
+            </a:r>
+          </a:p>
+          <a:p>
+            <a:r>
+              <a:rPr lang="en-US" dirty="0"/>
+              <a:t> The performance of the two approaches was discussed. </a:t>
+            </a:r>
+            <a:endParaRPr lang="en-IN" dirty="0"/>
+          </a:p>
+        </p:txBody>
+      </p:sp>
+    </p:spTree>
+    <p:extLst>
+      <p:ext uri="{BB962C8B-B14F-4D97-AF65-F5344CB8AC3E}">
+        <p14:creationId xmlns:p14="http://schemas.microsoft.com/office/powerpoint/2010/main" val="1478485929"/>
+      </p:ext>
+    </p:extLst>
+  </p:cSld>
+  <p:clrMapOvr>
+    <a:masterClrMapping/>
+  </p:clrMapOvr>
+</p:sld>
+</file>
+
+<file path=ppt/slides/slide15.xml><?xml version="1.0" encoding="utf-8"?>
+<p:sld xmlns:a="http://schemas.openxmlformats.org/drawingml/2006/main" xmlns:r="http://schemas.openxmlformats.org/officeDocument/2006/relationships" xmlns:p="http://schemas.openxmlformats.org/presentationml/2006/main">
+  <p:cSld>
+    <p:spTree>
+      <p:nvGrpSpPr>
+        <p:cNvPr id="1" name=""/>
+        <p:cNvGrpSpPr/>
+        <p:nvPr/>
+      </p:nvGrpSpPr>
+      <p:grpSpPr>
+        <a:xfrm>
+          <a:off x="0" y="0"/>
+          <a:ext cx="0" cy="0"/>
+          <a:chOff x="0" y="0"/>
+          <a:chExt cx="0" cy="0"/>
+        </a:xfrm>
+      </p:grpSpPr>
+      <p:sp>
+        <p:nvSpPr>
+          <p:cNvPr id="2" name="Title 1">
+            <a:extLst>
+              <a:ext uri="{FF2B5EF4-FFF2-40B4-BE49-F238E27FC236}">
+                <a16:creationId xmlns:a16="http://schemas.microsoft.com/office/drawing/2014/main" id="{2F92E65D-63AE-F980-AF92-8D1200BA2A4E}"/>
+              </a:ext>
+            </a:extLst>
+          </p:cNvPr>
+          <p:cNvSpPr>
+            <a:spLocks noGrp="1"/>
+          </p:cNvSpPr>
+          <p:nvPr>
+            <p:ph type="title"/>
+          </p:nvPr>
+        </p:nvSpPr>
+        <p:spPr/>
+        <p:txBody>
+          <a:bodyPr/>
+          <a:lstStyle/>
+          <a:p>
+            <a:r>
+              <a:rPr lang="en-IN" dirty="0"/>
+              <a:t>Future Scope</a:t>
+            </a:r>
+          </a:p>
+        </p:txBody>
+      </p:sp>
+      <p:sp>
+        <p:nvSpPr>
+          <p:cNvPr id="3" name="Content Placeholder 2">
+            <a:extLst>
+              <a:ext uri="{FF2B5EF4-FFF2-40B4-BE49-F238E27FC236}">
+                <a16:creationId xmlns:a16="http://schemas.microsoft.com/office/drawing/2014/main" id="{04D729D6-0FA5-F0DF-504F-0A939D4B2F6F}"/>
+              </a:ext>
+            </a:extLst>
+          </p:cNvPr>
+          <p:cNvSpPr>
+            <a:spLocks noGrp="1"/>
+          </p:cNvSpPr>
+          <p:nvPr>
+            <p:ph idx="1"/>
+          </p:nvPr>
+        </p:nvSpPr>
+        <p:spPr/>
+        <p:txBody>
+          <a:bodyPr/>
+          <a:lstStyle/>
+          <a:p>
+            <a:r>
+              <a:rPr lang="en-IN" dirty="0"/>
+              <a:t>The project can be trained with large data set.</a:t>
+            </a:r>
+          </a:p>
+          <a:p>
+            <a:pPr marL="0" indent="0">
+              <a:buNone/>
+            </a:pPr>
+            <a:endParaRPr lang="en-IN" dirty="0"/>
+          </a:p>
+          <a:p>
+            <a:r>
+              <a:rPr lang="en-IN" dirty="0"/>
+              <a:t>The project can include more entities other than used in this project.</a:t>
+            </a:r>
+          </a:p>
+          <a:p>
+            <a:pPr marL="0" indent="0">
+              <a:buNone/>
+            </a:pPr>
+            <a:endParaRPr lang="en-IN" dirty="0"/>
+          </a:p>
+          <a:p>
+            <a:r>
+              <a:rPr lang="en-IN" dirty="0"/>
+              <a:t>It can be compared with other frameworks to get more accurate and precise.</a:t>
+            </a:r>
+          </a:p>
+        </p:txBody>
+      </p:sp>
+    </p:spTree>
+    <p:extLst>
+      <p:ext uri="{BB962C8B-B14F-4D97-AF65-F5344CB8AC3E}">
+        <p14:creationId xmlns:p14="http://schemas.microsoft.com/office/powerpoint/2010/main" val="2227571323"/>
+      </p:ext>
+    </p:extLst>
+  </p:cSld>
+  <p:clrMapOvr>
+    <a:masterClrMapping/>
+  </p:clrMapOvr>
+</p:sld>
+</file>
+
+<file path=ppt/slides/slide16.xml><?xml version="1.0" encoding="utf-8"?>
 <p:sld xmlns:a="http://schemas.openxmlformats.org/drawingml/2006/main" xmlns:r="http://schemas.openxmlformats.org/officeDocument/2006/relationships" xmlns:p="http://schemas.openxmlformats.org/presentationml/2006/main">
   <p:cSld>
     <p:bg>
@@ -5489,44 +5980,21 @@
           </a:p>
         </p:txBody>
       </p:sp>
-      <p:sp>
-        <p:nvSpPr>
-          <p:cNvPr id="4" name="Content Placeholder 3">
+      <p:pic>
+        <p:nvPicPr>
+          <p:cNvPr id="9" name="Content Placeholder 8">
             <a:extLst>
               <a:ext uri="{FF2B5EF4-FFF2-40B4-BE49-F238E27FC236}">
-                <a16:creationId xmlns:a16="http://schemas.microsoft.com/office/drawing/2014/main" id="{0B2C1353-0F04-F519-43B1-C11C685661B1}"/>
-              </a:ext>
-            </a:extLst>
-          </p:cNvPr>
-          <p:cNvSpPr>
-            <a:spLocks noGrp="1"/>
-          </p:cNvSpPr>
-          <p:nvPr>
-            <p:ph idx="1"/>
-          </p:nvPr>
-        </p:nvSpPr>
-        <p:spPr/>
-        <p:txBody>
-          <a:bodyPr/>
-          <a:lstStyle/>
-          <a:p>
-            <a:endParaRPr lang="en-IN"/>
-          </a:p>
-        </p:txBody>
-      </p:sp>
-      <p:pic>
-        <p:nvPicPr>
-          <p:cNvPr id="7" name="Picture 6">
-            <a:extLst>
-              <a:ext uri="{FF2B5EF4-FFF2-40B4-BE49-F238E27FC236}">
-                <a16:creationId xmlns:a16="http://schemas.microsoft.com/office/drawing/2014/main" id="{00E390B1-E9C9-73C9-A492-FCE918716FAF}"/>
+                <a16:creationId xmlns:a16="http://schemas.microsoft.com/office/drawing/2014/main" id="{CB5E040A-B875-F55F-C119-6886E752A85D}"/>
               </a:ext>
             </a:extLst>
           </p:cNvPr>
           <p:cNvPicPr>
-            <a:picLocks noChangeAspect="1"/>
+            <a:picLocks noGrp="1" noChangeAspect="1"/>
           </p:cNvPicPr>
-          <p:nvPr/>
+          <p:nvPr>
+            <p:ph idx="1"/>
+          </p:nvPr>
         </p:nvPicPr>
         <p:blipFill>
           <a:blip r:embed="rId2"/>
@@ -5536,12 +6004,9 @@
         </p:blipFill>
         <p:spPr>
           <a:xfrm>
-            <a:off x="1371599" y="1909482"/>
-            <a:ext cx="9601201" cy="4500283"/>
+            <a:off x="2098761" y="2286000"/>
+            <a:ext cx="8146877" cy="3581400"/>
           </a:xfrm>
-          <a:prstGeom prst="rect">
-            <a:avLst/>
-          </a:prstGeom>
         </p:spPr>
       </p:pic>
     </p:spTree>
@@ -5643,7 +6108,7 @@
                 </a:solidFill>
                 <a:latin typeface="Roboto" panose="02000000000000000000" pitchFamily="2" charset="0"/>
               </a:rPr>
-              <a:t>To develop a model that </a:t>
+              <a:t>To develop a model that identifies the entities </a:t>
             </a:r>
             <a:r>
               <a:rPr lang="en-US" b="0" i="0" dirty="0">
@@ -5653,27 +6118,16 @@
                 <a:effectLst/>
                 <a:latin typeface="Arial" panose="020B0604020202020204" pitchFamily="34" charset="0"/>
               </a:rPr>
-              <a:t>obtain effective information and providing high quality services about tourist places, location</a:t>
-            </a:r>
-            <a:r>
-              <a:rPr lang="en-US" b="0" i="0">
+              <a:t>tourist places, location, timings</a:t>
+            </a:r>
+            <a:r>
+              <a:rPr lang="en-US" dirty="0">
                 <a:solidFill>
                   <a:srgbClr val="333333"/>
                 </a:solidFill>
-                <a:effectLst/>
                 <a:latin typeface="Arial" panose="020B0604020202020204" pitchFamily="34" charset="0"/>
               </a:rPr>
-              <a:t>, timings, .etc</a:t>
-            </a:r>
-            <a:r>
-              <a:rPr lang="en-US" b="0" i="0" dirty="0">
-                <a:solidFill>
-                  <a:srgbClr val="333333"/>
-                </a:solidFill>
-                <a:effectLst/>
-                <a:latin typeface="Arial" panose="020B0604020202020204" pitchFamily="34" charset="0"/>
-              </a:rPr>
-              <a:t> .</a:t>
+              <a:t> GPE from the data.</a:t>
             </a:r>
             <a:endParaRPr lang="en-IN" dirty="0"/>
           </a:p>
@@ -6074,8 +6528,8 @@
           <a:lstStyle/>
           <a:p>
             <a:r>
-              <a:rPr lang="en-US" dirty="0"/>
-              <a:t>Algorithms</a:t>
+              <a:rPr lang="en-IN" dirty="0" err="1"/>
+              <a:t>spaCy</a:t>
             </a:r>
             <a:endParaRPr lang="en-IN" dirty="0"/>
           </a:p>
@@ -6105,211 +6559,221 @@
         </p:spPr>
         <p:txBody>
           <a:bodyPr>
-            <a:normAutofit fontScale="92500" lnSpcReduction="20000"/>
+            <a:normAutofit/>
           </a:bodyPr>
           <a:lstStyle/>
-          <a:p>
-            <a:pPr marL="0" indent="0" algn="l" fontAlgn="base">
-              <a:buNone/>
-            </a:pPr>
-            <a:r>
-              <a:rPr lang="en-US" sz="3000" b="1" i="0" dirty="0">
-                <a:solidFill>
-                  <a:srgbClr val="273239"/>
-                </a:solidFill>
-                <a:effectLst/>
-                <a:latin typeface="urw-din"/>
-              </a:rPr>
-              <a:t>LSTM(Long Short Term Memory)</a:t>
-            </a:r>
-          </a:p>
           <a:p>
             <a:pPr algn="l" fontAlgn="base">
               <a:buFont typeface="Wingdings" panose="05000000000000000000" pitchFamily="2" charset="2"/>
               <a:buChar char="§"/>
             </a:pPr>
             <a:r>
+              <a:rPr lang="en-US" i="0" dirty="0" err="1">
+                <a:solidFill>
+                  <a:srgbClr val="202124"/>
+                </a:solidFill>
+                <a:effectLst/>
+                <a:latin typeface="arial" panose="020B0604020202020204" pitchFamily="34" charset="0"/>
+              </a:rPr>
+              <a:t>spaCy</a:t>
+            </a:r>
+            <a:r>
+              <a:rPr lang="en-US" i="0" dirty="0">
+                <a:solidFill>
+                  <a:srgbClr val="202124"/>
+                </a:solidFill>
+                <a:effectLst/>
+                <a:latin typeface="arial" panose="020B0604020202020204" pitchFamily="34" charset="0"/>
+              </a:rPr>
+              <a:t> is designed specifically for production use and helps you build applications that process and understand large volumes of text. It can be used to build information extraction or natural language understanding systems</a:t>
+            </a:r>
+            <a:endParaRPr lang="en-US" i="0" dirty="0">
+              <a:solidFill>
+                <a:srgbClr val="333333"/>
+              </a:solidFill>
+              <a:effectLst/>
+              <a:latin typeface="-apple-system"/>
+            </a:endParaRPr>
+          </a:p>
+          <a:p>
+            <a:pPr algn="l" fontAlgn="base">
+              <a:buFont typeface="Wingdings" panose="05000000000000000000" pitchFamily="2" charset="2"/>
+              <a:buChar char="§"/>
+            </a:pPr>
+            <a:r>
+              <a:rPr lang="en-US" i="0" dirty="0">
+                <a:solidFill>
+                  <a:srgbClr val="333333"/>
+                </a:solidFill>
+                <a:effectLst/>
+                <a:latin typeface="-apple-system"/>
+              </a:rPr>
+              <a:t>The </a:t>
+            </a:r>
+            <a:r>
+              <a:rPr lang="en-US" i="0" dirty="0" err="1">
+                <a:solidFill>
+                  <a:srgbClr val="333333"/>
+                </a:solidFill>
+                <a:effectLst/>
+                <a:latin typeface="-apple-system"/>
+              </a:rPr>
+              <a:t>spaCy</a:t>
+            </a:r>
+            <a:r>
+              <a:rPr lang="en-US" i="0" dirty="0">
+                <a:solidFill>
+                  <a:srgbClr val="333333"/>
+                </a:solidFill>
+                <a:effectLst/>
+                <a:latin typeface="-apple-system"/>
+              </a:rPr>
+              <a:t> library is a robust machine learning NLP library developed by Explosion AI, a Berlin based team of computer scientists and computational linguists.</a:t>
+            </a:r>
+          </a:p>
+          <a:p>
+            <a:pPr algn="l" fontAlgn="base">
+              <a:buFont typeface="Wingdings" panose="05000000000000000000" pitchFamily="2" charset="2"/>
+              <a:buChar char="§"/>
+            </a:pPr>
+            <a:r>
+              <a:rPr lang="en-US" i="0" dirty="0">
+                <a:solidFill>
+                  <a:srgbClr val="202124"/>
+                </a:solidFill>
+                <a:effectLst/>
+                <a:latin typeface="arial" panose="020B0604020202020204" pitchFamily="34" charset="0"/>
+              </a:rPr>
+              <a:t>It provides the fastest and most accurate syntactic analysis of any NLP library released to date.</a:t>
+            </a:r>
+            <a:endParaRPr lang="en-US" dirty="0">
+              <a:solidFill>
+                <a:srgbClr val="333333"/>
+              </a:solidFill>
+              <a:latin typeface="-apple-system"/>
+            </a:endParaRPr>
+          </a:p>
+          <a:p>
+            <a:pPr algn="l" fontAlgn="base">
+              <a:buFont typeface="Wingdings" panose="05000000000000000000" pitchFamily="2" charset="2"/>
+              <a:buChar char="§"/>
+            </a:pPr>
+            <a:r>
               <a:rPr lang="en-US" dirty="0">
                 <a:solidFill>
-                  <a:srgbClr val="2E2E2E"/>
+                  <a:srgbClr val="333333"/>
                 </a:solidFill>
-                <a:latin typeface="NexusSans"/>
+                <a:latin typeface="-apple-system"/>
               </a:rPr>
-              <a:t>A</a:t>
-            </a:r>
-            <a:r>
-              <a:rPr lang="en-US" b="0" i="0" dirty="0">
+              <a:t>U</a:t>
+            </a:r>
+            <a:r>
+              <a:rPr lang="en-US" i="0" dirty="0">
                 <a:solidFill>
-                  <a:srgbClr val="2E2E2E"/>
+                  <a:srgbClr val="333333"/>
                 </a:solidFill>
                 <a:effectLst/>
-                <a:latin typeface="NexusSans"/>
+                <a:latin typeface="-apple-system"/>
               </a:rPr>
-              <a:t> special kind of recurrent neural networks that are capable of selectively remembering patterns for long duration of time. </a:t>
-            </a:r>
-            <a:endParaRPr lang="en-US" b="0" i="0" dirty="0">
-              <a:solidFill>
-                <a:srgbClr val="273239"/>
-              </a:solidFill>
-              <a:effectLst/>
-              <a:latin typeface="urw-din"/>
-            </a:endParaRPr>
-          </a:p>
-          <a:p>
-            <a:pPr marL="0" indent="0" algn="l" fontAlgn="base">
-              <a:buNone/>
-            </a:pPr>
-            <a:r>
-              <a:rPr lang="en-US" sz="2400" b="1" i="0" u="sng" dirty="0">
+              <a:t>sers of </a:t>
+            </a:r>
+            <a:r>
+              <a:rPr lang="en-US" i="0" dirty="0" err="1">
                 <a:solidFill>
-                  <a:srgbClr val="273239"/>
+                  <a:srgbClr val="333333"/>
                 </a:solidFill>
                 <a:effectLst/>
-                <a:latin typeface="urw-din"/>
+                <a:latin typeface="-apple-system"/>
               </a:rPr>
-              <a:t>Working</a:t>
-            </a:r>
-          </a:p>
-          <a:p>
-            <a:pPr algn="l" fontAlgn="base">
-              <a:buFont typeface="+mj-lt"/>
-              <a:buAutoNum type="arabicPeriod"/>
-            </a:pPr>
-            <a:r>
-              <a:rPr lang="en-US" b="0" i="0" dirty="0">
+              <a:t>spaCy</a:t>
+            </a:r>
+            <a:r>
+              <a:rPr lang="en-US" i="0" dirty="0">
                 <a:solidFill>
-                  <a:srgbClr val="273239"/>
+                  <a:srgbClr val="333333"/>
                 </a:solidFill>
                 <a:effectLst/>
-                <a:latin typeface="urw-din"/>
+                <a:latin typeface="-apple-system"/>
               </a:rPr>
-              <a:t>Take input the current input, the previous hidden state, and the previous internal cell state.</a:t>
-            </a:r>
-          </a:p>
-          <a:p>
-            <a:pPr algn="l" fontAlgn="base">
-              <a:buFont typeface="+mj-lt"/>
-              <a:buAutoNum type="arabicPeriod"/>
-            </a:pPr>
-            <a:r>
-              <a:rPr lang="en-US" b="0" i="0" dirty="0">
+              <a:t> can take advantage of the predesigned CNN architecture behind the </a:t>
+            </a:r>
+            <a:r>
+              <a:rPr lang="en-US" i="0" dirty="0" err="1">
                 <a:solidFill>
-                  <a:srgbClr val="273239"/>
+                  <a:srgbClr val="333333"/>
                 </a:solidFill>
                 <a:effectLst/>
-                <a:latin typeface="urw-din"/>
+                <a:latin typeface="-apple-system"/>
               </a:rPr>
-              <a:t>Calculate the values of </a:t>
-            </a:r>
-            <a:r>
-              <a:rPr lang="en-US" b="0" i="0">
+              <a:t>spaCy</a:t>
+            </a:r>
+            <a:r>
+              <a:rPr lang="en-US" i="0" dirty="0">
                 <a:solidFill>
-                  <a:srgbClr val="273239"/>
+                  <a:srgbClr val="333333"/>
                 </a:solidFill>
                 <a:effectLst/>
-                <a:latin typeface="urw-din"/>
+                <a:latin typeface="-apple-system"/>
               </a:rPr>
-              <a:t>the </a:t>
-            </a:r>
-            <a:r>
-              <a:rPr lang="en-US">
+              <a:t> training process. </a:t>
+            </a:r>
+          </a:p>
+          <a:p>
+            <a:pPr algn="l" fontAlgn="base">
+              <a:buFont typeface="Wingdings" panose="05000000000000000000" pitchFamily="2" charset="2"/>
+              <a:buChar char="§"/>
+            </a:pPr>
+            <a:r>
+              <a:rPr lang="en-US" i="0" dirty="0">
                 <a:solidFill>
-                  <a:srgbClr val="273239"/>
-                </a:solidFill>
-                <a:latin typeface="urw-din"/>
-              </a:rPr>
-              <a:t>three</a:t>
-            </a:r>
-            <a:r>
-              <a:rPr lang="en-US" b="0" i="0">
-                <a:solidFill>
-                  <a:srgbClr val="273239"/>
+                  <a:srgbClr val="333333"/>
                 </a:solidFill>
                 <a:effectLst/>
-                <a:latin typeface="urw-din"/>
+                <a:latin typeface="-apple-system"/>
               </a:rPr>
-              <a:t> </a:t>
-            </a:r>
-            <a:r>
-              <a:rPr lang="en-US" b="0" i="0" dirty="0">
+              <a:t>In version 3.0 of </a:t>
+            </a:r>
+            <a:r>
+              <a:rPr lang="en-US" i="0" dirty="0" err="1">
                 <a:solidFill>
-                  <a:srgbClr val="273239"/>
+                  <a:srgbClr val="333333"/>
                 </a:solidFill>
                 <a:effectLst/>
-                <a:latin typeface="urw-din"/>
+                <a:latin typeface="-apple-system"/>
               </a:rPr>
-              <a:t>different gates by following the below steps:-</a:t>
-            </a:r>
-          </a:p>
-          <a:p>
-            <a:pPr marL="742950" lvl="1" indent="-285750" algn="l" fontAlgn="base">
-              <a:buFont typeface="+mj-lt"/>
-              <a:buAutoNum type="arabicPeriod"/>
-            </a:pPr>
-            <a:r>
-              <a:rPr lang="en-US" b="0" i="0" dirty="0">
+              <a:t>spaCy</a:t>
+            </a:r>
+            <a:r>
+              <a:rPr lang="en-US" i="0" dirty="0">
                 <a:solidFill>
-                  <a:srgbClr val="273239"/>
+                  <a:srgbClr val="333333"/>
                 </a:solidFill>
                 <a:effectLst/>
-                <a:latin typeface="urw-din"/>
+                <a:latin typeface="-apple-system"/>
               </a:rPr>
-              <a:t>For each gate, calculate the parameterized vectors for the current input and the previous hidden state by element-wise multiplication with the concerned vector with the respective weights for each gate.</a:t>
-            </a:r>
-          </a:p>
-          <a:p>
-            <a:pPr marL="742950" lvl="1" indent="-285750" algn="l" fontAlgn="base">
-              <a:buFont typeface="+mj-lt"/>
-              <a:buAutoNum type="arabicPeriod"/>
-            </a:pPr>
-            <a:r>
-              <a:rPr lang="en-US" b="0" i="0" dirty="0">
+              <a:t> due in early 2021, the user will also be able to customize this neural network architecture, expanding </a:t>
+            </a:r>
+            <a:r>
+              <a:rPr lang="en-US" i="0" dirty="0" err="1">
                 <a:solidFill>
-                  <a:srgbClr val="273239"/>
+                  <a:srgbClr val="333333"/>
                 </a:solidFill>
                 <a:effectLst/>
-                <a:latin typeface="urw-din"/>
+                <a:latin typeface="-apple-system"/>
               </a:rPr>
-              <a:t>Apply the respective activation function for each gate element-wise on the parameterized vectors. </a:t>
-            </a:r>
-          </a:p>
-          <a:p>
-            <a:pPr marL="742950" lvl="1" indent="-285750" algn="l" fontAlgn="base">
-              <a:buFont typeface="+mj-lt"/>
-              <a:buAutoNum type="arabicPeriod"/>
-            </a:pPr>
-            <a:r>
-              <a:rPr lang="en-US" b="0" i="0" dirty="0">
+              <a:t>spaCy’s</a:t>
+            </a:r>
+            <a:r>
+              <a:rPr lang="en-US" i="0" dirty="0">
                 <a:solidFill>
-                  <a:srgbClr val="273239"/>
+                  <a:srgbClr val="333333"/>
                 </a:solidFill>
                 <a:effectLst/>
-                <a:latin typeface="urw-din"/>
+                <a:latin typeface="-apple-system"/>
               </a:rPr>
-              <a:t>Calculate the current internal cell state by first calculating the element-wise multiplication vector of the input gate and the input modulation gate, then calculate the element-wise multiplication vector of the forget gate and the previous internal cell state and then adding the two vectors. </a:t>
-            </a:r>
-          </a:p>
-          <a:p>
-            <a:pPr fontAlgn="base">
-              <a:buFont typeface="+mj-lt"/>
-              <a:buAutoNum type="arabicPeriod"/>
-            </a:pPr>
-            <a:r>
-              <a:rPr lang="en-US" b="0" i="0" dirty="0">
-                <a:solidFill>
-                  <a:srgbClr val="273239"/>
-                </a:solidFill>
-                <a:effectLst/>
-                <a:latin typeface="urw-din"/>
-              </a:rPr>
-              <a:t>Calculate the current hidden state by first taking the element-wise hyperbolic tangent of the current internal cell state vector and then performing element-wise multiplication with the output gate.</a:t>
-            </a:r>
-          </a:p>
-          <a:p>
-            <a:pPr marL="0" indent="0" algn="l" fontAlgn="base">
-              <a:buNone/>
-            </a:pPr>
-            <a:endParaRPr lang="en-US" b="0" i="0" dirty="0">
+              <a:t> utility and customizability.</a:t>
+            </a:r>
+            <a:endParaRPr lang="en-US" i="0" dirty="0">
               <a:solidFill>
                 <a:srgbClr val="273239"/>
               </a:solidFill>
@@ -6406,11 +6870,7 @@
           <a:p>
             <a:r>
               <a:rPr lang="en-US" dirty="0"/>
-              <a:t>The text in the dataset are from </a:t>
-            </a:r>
-            <a:r>
-              <a:rPr lang="en-US"/>
-              <a:t>the websites</a:t>
+              <a:t>The text in the dataset are from the websites</a:t>
             </a:r>
             <a:endParaRPr lang="en-IN" dirty="0"/>
           </a:p>
@@ -6482,7 +6942,15 @@
           <a:p>
             <a:r>
               <a:rPr lang="en-IN" dirty="0"/>
-              <a:t>The entities like location, GPE, tourist places, timings are labelled using the application label studio.</a:t>
+              <a:t>The entities like location, GPE, tourist places, timings are labelled using the </a:t>
+            </a:r>
+            <a:r>
+              <a:rPr lang="en-IN" dirty="0" err="1"/>
+              <a:t>spaCy</a:t>
+            </a:r>
+            <a:r>
+              <a:rPr lang="en-IN" dirty="0"/>
+              <a:t> NER annotator.</a:t>
             </a:r>
             <a:endParaRPr lang="en-US" dirty="0"/>
           </a:p>
